--- a/lectures/lecture8/R_lecture8.pptx
+++ b/lectures/lecture8/R_lecture8.pptx
@@ -203,7 +203,7 @@
           <a:p>
             <a:fld id="{6BAA9E4A-6CA2-354C-BFDF-2AE1DFFE1EAE}" type="datetimeFigureOut">
               <a:rPr lang="en-US" smtClean="0"/>
-              <a:t>11/14/19</a:t>
+              <a:t>11/15/19</a:t>
             </a:fld>
             <a:endParaRPr lang="en-US"/>
           </a:p>
@@ -598,247 +598,7 @@
           <a:bodyPr/>
           <a:lstStyle/>
           <a:p>
-            <a:r>
-              <a:rPr lang="en-US" dirty="0"/>
-              <a:t>Two common ways to change organizational structure of data</a:t>
-            </a:r>
-          </a:p>
-          <a:p>
-            <a:r>
-              <a:rPr lang="en-US" dirty="0">
-                <a:effectLst/>
-              </a:rPr>
-              <a:t>Use </a:t>
-            </a:r>
-            <a:r>
-              <a:rPr lang="en-US" dirty="0" err="1">
-                <a:effectLst/>
-              </a:rPr>
-              <a:t>group_by</a:t>
-            </a:r>
-            <a:r>
-              <a:rPr lang="en-US" dirty="0">
-                <a:effectLst/>
-              </a:rPr>
-              <a:t> to perform calculations separately within groups and then use </a:t>
-            </a:r>
-            <a:r>
-              <a:rPr lang="en-US" dirty="0" err="1">
-                <a:effectLst/>
-              </a:rPr>
-              <a:t>summarise</a:t>
-            </a:r>
-            <a:r>
-              <a:rPr lang="en-US" dirty="0">
-                <a:effectLst/>
-              </a:rPr>
-              <a:t> to create an object with one observation per group. Examples: </a:t>
-            </a:r>
-          </a:p>
-          <a:p>
-            <a:pPr lvl="1"/>
-            <a:r>
-              <a:rPr lang="en-US" dirty="0">
-                <a:effectLst/>
-              </a:rPr>
-              <a:t>Creating objects containing summary statistics that are basis for tables and graphs (focus of lecture 4)</a:t>
-            </a:r>
-          </a:p>
-          <a:p>
-            <a:pPr lvl="1"/>
-            <a:r>
-              <a:rPr lang="en-US" dirty="0">
-                <a:effectLst/>
-              </a:rPr>
-              <a:t>Creating student-transcript level GPA variable from student-transcript-course level data (focus of lecture 5 problem set)</a:t>
-            </a:r>
-          </a:p>
-          <a:p>
-            <a:r>
-              <a:rPr lang="en-US" b="1" dirty="0">
-                <a:effectLst/>
-              </a:rPr>
-              <a:t>Reshape</a:t>
-            </a:r>
-            <a:r>
-              <a:rPr lang="en-US" dirty="0">
-                <a:effectLst/>
-              </a:rPr>
-              <a:t> your data – called </a:t>
-            </a:r>
-            <a:r>
-              <a:rPr lang="en-US" b="1" dirty="0">
-                <a:effectLst/>
-              </a:rPr>
-              <a:t>tidying</a:t>
-            </a:r>
-            <a:r>
-              <a:rPr lang="en-US" dirty="0">
-                <a:effectLst/>
-              </a:rPr>
-              <a:t> in the R </a:t>
-            </a:r>
-            <a:r>
-              <a:rPr lang="en-US" dirty="0" err="1">
-                <a:effectLst/>
-              </a:rPr>
-              <a:t>tidyverse</a:t>
-            </a:r>
-            <a:r>
-              <a:rPr lang="en-US" dirty="0">
-                <a:effectLst/>
-              </a:rPr>
-              <a:t> world – by transforming columns (variables) into rows (observations) and vice-versa </a:t>
-            </a:r>
-          </a:p>
-          <a:p>
-            <a:pPr lvl="1"/>
-            <a:r>
-              <a:rPr lang="en-US" dirty="0">
-                <a:effectLst/>
-              </a:rPr>
-              <a:t>Our topic for today</a:t>
-            </a:r>
-          </a:p>
-          <a:p>
-            <a:r>
-              <a:rPr lang="en-US" dirty="0"/>
-              <a:t>This lecture is about changing the organizational structure of your data by transforming </a:t>
-            </a:r>
-            <a:r>
-              <a:rPr lang="en-US" b="1" dirty="0"/>
-              <a:t>untidy</a:t>
-            </a:r>
-            <a:r>
-              <a:rPr lang="en-US" dirty="0"/>
-              <a:t> data into </a:t>
-            </a:r>
-            <a:r>
-              <a:rPr lang="en-US" b="1" dirty="0"/>
-              <a:t>tidy</a:t>
-            </a:r>
-            <a:r>
-              <a:rPr lang="en-US" dirty="0"/>
-              <a:t> data.</a:t>
-            </a:r>
-          </a:p>
-          <a:p>
-            <a:r>
-              <a:rPr lang="en-US" dirty="0"/>
-              <a:t>Working with tidy data has many benefits, one of them is that all the packages in the </a:t>
-            </a:r>
-            <a:r>
-              <a:rPr lang="en-US" dirty="0" err="1"/>
-              <a:t>tidyverse</a:t>
-            </a:r>
-            <a:r>
-              <a:rPr lang="en-US" dirty="0"/>
-              <a:t> are designed to work with tidy data.</a:t>
-            </a:r>
-          </a:p>
-          <a:p>
-            <a:r>
-              <a:rPr lang="en-US" dirty="0"/>
-              <a:t>We will perform data </a:t>
-            </a:r>
-            <a:r>
-              <a:rPr lang="en-US" b="1" dirty="0"/>
-              <a:t>tidying</a:t>
-            </a:r>
-            <a:r>
-              <a:rPr lang="en-US" dirty="0"/>
-              <a:t> using functions from the </a:t>
-            </a:r>
-            <a:r>
-              <a:rPr lang="en-US" b="1" dirty="0" err="1"/>
-              <a:t>tidyr</a:t>
-            </a:r>
-            <a:r>
-              <a:rPr lang="en-US" dirty="0"/>
-              <a:t> package, which is a package within </a:t>
-            </a:r>
-            <a:r>
-              <a:rPr lang="en-US" dirty="0" err="1"/>
-              <a:t>tidyverse</a:t>
-            </a:r>
-            <a:r>
-              <a:rPr lang="en-US" dirty="0"/>
-              <a:t>.</a:t>
-            </a:r>
-          </a:p>
-          <a:p>
-            <a:pPr lvl="1"/>
             <a:endParaRPr lang="en-US" dirty="0"/>
-          </a:p>
-          <a:p>
-            <a:pPr lvl="1"/>
-            <a:r>
-              <a:rPr lang="en-US" dirty="0"/>
-              <a:t>There’s a general advantage to picking one consistent way of storing data. If you have a consistent data structure, it’s easier to learn the tools that work with it because they have an underlying uniformity.</a:t>
-            </a:r>
-          </a:p>
-          <a:p>
-            <a:pPr lvl="1"/>
-            <a:endParaRPr lang="en-US" dirty="0"/>
-          </a:p>
-          <a:p>
-            <a:pPr lvl="1"/>
-            <a:r>
-              <a:rPr lang="en-US" dirty="0"/>
-              <a:t>There’s a specific advantage to placing variables in columns because it allows R’s </a:t>
-            </a:r>
-            <a:r>
-              <a:rPr lang="en-US" dirty="0" err="1"/>
-              <a:t>vectorised</a:t>
-            </a:r>
-            <a:r>
-              <a:rPr lang="en-US" dirty="0"/>
-              <a:t> nature to shine. </a:t>
-            </a:r>
-            <a:r>
-              <a:rPr lang="en-US" dirty="0" err="1"/>
-              <a:t>dplyr</a:t>
-            </a:r>
-            <a:r>
-              <a:rPr lang="en-US" dirty="0"/>
-              <a:t>, ggplot2, and all the other packages in the </a:t>
-            </a:r>
-            <a:r>
-              <a:rPr lang="en-US" dirty="0" err="1"/>
-              <a:t>tidyverse</a:t>
-            </a:r>
-            <a:r>
-              <a:rPr lang="en-US" dirty="0"/>
-              <a:t> are designed to work with tidy data.</a:t>
-            </a:r>
-            <a:r>
-              <a:rPr lang="zh-CN" altLang="en-US" dirty="0"/>
-              <a:t> </a:t>
-            </a:r>
-            <a:r>
-              <a:rPr lang="en-US" dirty="0"/>
-              <a:t> As you learned in </a:t>
-            </a:r>
-            <a:r>
-              <a:rPr lang="en-US" dirty="0">
-                <a:hlinkClick r:id="rId3"/>
-              </a:rPr>
-              <a:t>mutate</a:t>
-            </a:r>
-            <a:r>
-              <a:rPr lang="en-US" dirty="0"/>
-              <a:t> and </a:t>
-            </a:r>
-            <a:r>
-              <a:rPr lang="en-US" dirty="0">
-                <a:hlinkClick r:id="rId4"/>
-              </a:rPr>
-              <a:t>summary functions</a:t>
-            </a:r>
-            <a:r>
-              <a:rPr lang="en-US" dirty="0"/>
-              <a:t>, most built-in R functions work with vectors of values. That makes transforming tidy data feel particularly natural. Here are a couple of small examples showing how you might work with table1</a:t>
-            </a:r>
           </a:p>
         </p:txBody>
       </p:sp>
@@ -1448,7 +1208,7 @@
           <a:p>
             <a:fld id="{9CE31FA5-F1E3-6843-A165-A1146FBDA4E0}" type="datetimeFigureOut">
               <a:rPr lang="en-US" smtClean="0"/>
-              <a:t>11/14/19</a:t>
+              <a:t>11/15/19</a:t>
             </a:fld>
             <a:endParaRPr lang="en-US"/>
           </a:p>
@@ -1646,7 +1406,7 @@
           <a:p>
             <a:fld id="{9CE31FA5-F1E3-6843-A165-A1146FBDA4E0}" type="datetimeFigureOut">
               <a:rPr lang="en-US" smtClean="0"/>
-              <a:t>11/14/19</a:t>
+              <a:t>11/15/19</a:t>
             </a:fld>
             <a:endParaRPr lang="en-US"/>
           </a:p>
@@ -1854,7 +1614,7 @@
           <a:p>
             <a:fld id="{9CE31FA5-F1E3-6843-A165-A1146FBDA4E0}" type="datetimeFigureOut">
               <a:rPr lang="en-US" smtClean="0"/>
-              <a:t>11/14/19</a:t>
+              <a:t>11/15/19</a:t>
             </a:fld>
             <a:endParaRPr lang="en-US"/>
           </a:p>
@@ -2052,7 +1812,7 @@
           <a:p>
             <a:fld id="{9CE31FA5-F1E3-6843-A165-A1146FBDA4E0}" type="datetimeFigureOut">
               <a:rPr lang="en-US" smtClean="0"/>
-              <a:t>11/14/19</a:t>
+              <a:t>11/15/19</a:t>
             </a:fld>
             <a:endParaRPr lang="en-US"/>
           </a:p>
@@ -2327,7 +2087,7 @@
           <a:p>
             <a:fld id="{9CE31FA5-F1E3-6843-A165-A1146FBDA4E0}" type="datetimeFigureOut">
               <a:rPr lang="en-US" smtClean="0"/>
-              <a:t>11/14/19</a:t>
+              <a:t>11/15/19</a:t>
             </a:fld>
             <a:endParaRPr lang="en-US"/>
           </a:p>
@@ -2592,7 +2352,7 @@
           <a:p>
             <a:fld id="{9CE31FA5-F1E3-6843-A165-A1146FBDA4E0}" type="datetimeFigureOut">
               <a:rPr lang="en-US" smtClean="0"/>
-              <a:t>11/14/19</a:t>
+              <a:t>11/15/19</a:t>
             </a:fld>
             <a:endParaRPr lang="en-US"/>
           </a:p>
@@ -3004,7 +2764,7 @@
           <a:p>
             <a:fld id="{9CE31FA5-F1E3-6843-A165-A1146FBDA4E0}" type="datetimeFigureOut">
               <a:rPr lang="en-US" smtClean="0"/>
-              <a:t>11/14/19</a:t>
+              <a:t>11/15/19</a:t>
             </a:fld>
             <a:endParaRPr lang="en-US"/>
           </a:p>
@@ -3145,7 +2905,7 @@
           <a:p>
             <a:fld id="{9CE31FA5-F1E3-6843-A165-A1146FBDA4E0}" type="datetimeFigureOut">
               <a:rPr lang="en-US" smtClean="0"/>
-              <a:t>11/14/19</a:t>
+              <a:t>11/15/19</a:t>
             </a:fld>
             <a:endParaRPr lang="en-US"/>
           </a:p>
@@ -3258,7 +3018,7 @@
           <a:p>
             <a:fld id="{9CE31FA5-F1E3-6843-A165-A1146FBDA4E0}" type="datetimeFigureOut">
               <a:rPr lang="en-US" smtClean="0"/>
-              <a:t>11/14/19</a:t>
+              <a:t>11/15/19</a:t>
             </a:fld>
             <a:endParaRPr lang="en-US"/>
           </a:p>
@@ -3569,7 +3329,7 @@
           <a:p>
             <a:fld id="{9CE31FA5-F1E3-6843-A165-A1146FBDA4E0}" type="datetimeFigureOut">
               <a:rPr lang="en-US" smtClean="0"/>
-              <a:t>11/14/19</a:t>
+              <a:t>11/15/19</a:t>
             </a:fld>
             <a:endParaRPr lang="en-US"/>
           </a:p>
@@ -3857,7 +3617,7 @@
           <a:p>
             <a:fld id="{9CE31FA5-F1E3-6843-A165-A1146FBDA4E0}" type="datetimeFigureOut">
               <a:rPr lang="en-US" smtClean="0"/>
-              <a:t>11/14/19</a:t>
+              <a:t>11/15/19</a:t>
             </a:fld>
             <a:endParaRPr lang="en-US"/>
           </a:p>
@@ -4098,7 +3858,7 @@
           <a:p>
             <a:fld id="{9CE31FA5-F1E3-6843-A165-A1146FBDA4E0}" type="datetimeFigureOut">
               <a:rPr lang="en-US" smtClean="0"/>
-              <a:t>11/14/19</a:t>
+              <a:t>11/15/19</a:t>
             </a:fld>
             <a:endParaRPr lang="en-US"/>
           </a:p>
